--- a/303077788_311306641_Ass02Exc.pptx
+++ b/303077788_311306641_Ass02Exc.pptx
@@ -248,7 +248,7 @@
           <a:p>
             <a:fld id="{94B9FF40-63A1-4A66-B437-62EC108A7CE1}" type="datetimeFigureOut">
               <a:rPr lang="en-IL" smtClean="0"/>
-              <a:t>08/06/2019</a:t>
+              <a:t>09/06/2019</a:t>
             </a:fld>
             <a:endParaRPr lang="en-IL"/>
           </a:p>
@@ -418,7 +418,7 @@
           <a:p>
             <a:fld id="{94B9FF40-63A1-4A66-B437-62EC108A7CE1}" type="datetimeFigureOut">
               <a:rPr lang="en-IL" smtClean="0"/>
-              <a:t>08/06/2019</a:t>
+              <a:t>09/06/2019</a:t>
             </a:fld>
             <a:endParaRPr lang="en-IL"/>
           </a:p>
@@ -598,7 +598,7 @@
           <a:p>
             <a:fld id="{94B9FF40-63A1-4A66-B437-62EC108A7CE1}" type="datetimeFigureOut">
               <a:rPr lang="en-IL" smtClean="0"/>
-              <a:t>08/06/2019</a:t>
+              <a:t>09/06/2019</a:t>
             </a:fld>
             <a:endParaRPr lang="en-IL"/>
           </a:p>
@@ -1870,7 +1870,7 @@
           <a:p>
             <a:fld id="{94B9FF40-63A1-4A66-B437-62EC108A7CE1}" type="datetimeFigureOut">
               <a:rPr lang="en-IL" smtClean="0"/>
-              <a:t>08/06/2019</a:t>
+              <a:t>09/06/2019</a:t>
             </a:fld>
             <a:endParaRPr lang="en-IL"/>
           </a:p>
@@ -2146,7 +2146,7 @@
           <a:p>
             <a:fld id="{94B9FF40-63A1-4A66-B437-62EC108A7CE1}" type="datetimeFigureOut">
               <a:rPr lang="en-IL" smtClean="0"/>
-              <a:t>08/06/2019</a:t>
+              <a:t>09/06/2019</a:t>
             </a:fld>
             <a:endParaRPr lang="en-IL"/>
           </a:p>
@@ -2742,7 +2742,7 @@
           <a:p>
             <a:fld id="{94B9FF40-63A1-4A66-B437-62EC108A7CE1}" type="datetimeFigureOut">
               <a:rPr lang="en-IL" smtClean="0"/>
-              <a:t>08/06/2019</a:t>
+              <a:t>09/06/2019</a:t>
             </a:fld>
             <a:endParaRPr lang="en-IL"/>
           </a:p>
@@ -4548,7 +4548,7 @@
           <a:p>
             <a:fld id="{94B9FF40-63A1-4A66-B437-62EC108A7CE1}" type="datetimeFigureOut">
               <a:rPr lang="en-IL" smtClean="0"/>
-              <a:t>08/06/2019</a:t>
+              <a:t>09/06/2019</a:t>
             </a:fld>
             <a:endParaRPr lang="en-IL"/>
           </a:p>
@@ -4938,7 +4938,7 @@
           <a:p>
             <a:fld id="{94B9FF40-63A1-4A66-B437-62EC108A7CE1}" type="datetimeFigureOut">
               <a:rPr lang="en-IL" smtClean="0"/>
-              <a:t>08/06/2019</a:t>
+              <a:t>09/06/2019</a:t>
             </a:fld>
             <a:endParaRPr lang="en-IL"/>
           </a:p>
@@ -5061,7 +5061,7 @@
           <a:p>
             <a:fld id="{94B9FF40-63A1-4A66-B437-62EC108A7CE1}" type="datetimeFigureOut">
               <a:rPr lang="en-IL" smtClean="0"/>
-              <a:t>08/06/2019</a:t>
+              <a:t>09/06/2019</a:t>
             </a:fld>
             <a:endParaRPr lang="en-IL"/>
           </a:p>
@@ -5156,7 +5156,7 @@
           <a:p>
             <a:fld id="{94B9FF40-63A1-4A66-B437-62EC108A7CE1}" type="datetimeFigureOut">
               <a:rPr lang="en-IL" smtClean="0"/>
-              <a:t>08/06/2019</a:t>
+              <a:t>09/06/2019</a:t>
             </a:fld>
             <a:endParaRPr lang="en-IL"/>
           </a:p>
@@ -5921,7 +5921,7 @@
           <a:p>
             <a:fld id="{94B9FF40-63A1-4A66-B437-62EC108A7CE1}" type="datetimeFigureOut">
               <a:rPr lang="en-IL" smtClean="0"/>
-              <a:t>08/06/2019</a:t>
+              <a:t>09/06/2019</a:t>
             </a:fld>
             <a:endParaRPr lang="en-IL"/>
           </a:p>
@@ -6188,7 +6188,7 @@
           <a:p>
             <a:fld id="{94B9FF40-63A1-4A66-B437-62EC108A7CE1}" type="datetimeFigureOut">
               <a:rPr lang="en-IL" smtClean="0"/>
-              <a:t>08/06/2019</a:t>
+              <a:t>09/06/2019</a:t>
             </a:fld>
             <a:endParaRPr lang="en-IL"/>
           </a:p>
@@ -6971,7 +6971,7 @@
           <a:p>
             <a:fld id="{94B9FF40-63A1-4A66-B437-62EC108A7CE1}" type="datetimeFigureOut">
               <a:rPr lang="en-IL" smtClean="0"/>
-              <a:t>08/06/2019</a:t>
+              <a:t>09/06/2019</a:t>
             </a:fld>
             <a:endParaRPr lang="en-IL"/>
           </a:p>
@@ -7189,7 +7189,7 @@
           <a:p>
             <a:fld id="{94B9FF40-63A1-4A66-B437-62EC108A7CE1}" type="datetimeFigureOut">
               <a:rPr lang="en-IL" smtClean="0"/>
-              <a:t>08/06/2019</a:t>
+              <a:t>09/06/2019</a:t>
             </a:fld>
             <a:endParaRPr lang="en-IL"/>
           </a:p>
@@ -7369,7 +7369,7 @@
           <a:p>
             <a:fld id="{94B9FF40-63A1-4A66-B437-62EC108A7CE1}" type="datetimeFigureOut">
               <a:rPr lang="en-IL" smtClean="0"/>
-              <a:t>08/06/2019</a:t>
+              <a:t>09/06/2019</a:t>
             </a:fld>
             <a:endParaRPr lang="en-IL"/>
           </a:p>
@@ -7613,7 +7613,7 @@
           <a:p>
             <a:fld id="{94B9FF40-63A1-4A66-B437-62EC108A7CE1}" type="datetimeFigureOut">
               <a:rPr lang="en-IL" smtClean="0"/>
-              <a:t>08/06/2019</a:t>
+              <a:t>09/06/2019</a:t>
             </a:fld>
             <a:endParaRPr lang="en-IL"/>
           </a:p>
@@ -7845,7 +7845,7 @@
           <a:p>
             <a:fld id="{94B9FF40-63A1-4A66-B437-62EC108A7CE1}" type="datetimeFigureOut">
               <a:rPr lang="en-IL" smtClean="0"/>
-              <a:t>08/06/2019</a:t>
+              <a:t>09/06/2019</a:t>
             </a:fld>
             <a:endParaRPr lang="en-IL"/>
           </a:p>
@@ -8212,7 +8212,7 @@
           <a:p>
             <a:fld id="{94B9FF40-63A1-4A66-B437-62EC108A7CE1}" type="datetimeFigureOut">
               <a:rPr lang="en-IL" smtClean="0"/>
-              <a:t>08/06/2019</a:t>
+              <a:t>09/06/2019</a:t>
             </a:fld>
             <a:endParaRPr lang="en-IL"/>
           </a:p>
@@ -8330,7 +8330,7 @@
           <a:p>
             <a:fld id="{94B9FF40-63A1-4A66-B437-62EC108A7CE1}" type="datetimeFigureOut">
               <a:rPr lang="en-IL" smtClean="0"/>
-              <a:t>08/06/2019</a:t>
+              <a:t>09/06/2019</a:t>
             </a:fld>
             <a:endParaRPr lang="en-IL"/>
           </a:p>
@@ -8425,7 +8425,7 @@
           <a:p>
             <a:fld id="{94B9FF40-63A1-4A66-B437-62EC108A7CE1}" type="datetimeFigureOut">
               <a:rPr lang="en-IL" smtClean="0"/>
-              <a:t>08/06/2019</a:t>
+              <a:t>09/06/2019</a:t>
             </a:fld>
             <a:endParaRPr lang="en-IL"/>
           </a:p>
@@ -8702,7 +8702,7 @@
           <a:p>
             <a:fld id="{94B9FF40-63A1-4A66-B437-62EC108A7CE1}" type="datetimeFigureOut">
               <a:rPr lang="en-IL" smtClean="0"/>
-              <a:t>08/06/2019</a:t>
+              <a:t>09/06/2019</a:t>
             </a:fld>
             <a:endParaRPr lang="en-IL"/>
           </a:p>
@@ -8959,7 +8959,7 @@
           <a:p>
             <a:fld id="{94B9FF40-63A1-4A66-B437-62EC108A7CE1}" type="datetimeFigureOut">
               <a:rPr lang="en-IL" smtClean="0"/>
-              <a:t>08/06/2019</a:t>
+              <a:t>09/06/2019</a:t>
             </a:fld>
             <a:endParaRPr lang="en-IL"/>
           </a:p>
@@ -9172,7 +9172,7 @@
           <a:p>
             <a:fld id="{94B9FF40-63A1-4A66-B437-62EC108A7CE1}" type="datetimeFigureOut">
               <a:rPr lang="en-IL" smtClean="0"/>
-              <a:t>08/06/2019</a:t>
+              <a:t>09/06/2019</a:t>
             </a:fld>
             <a:endParaRPr lang="en-IL"/>
           </a:p>
@@ -9716,7 +9716,7 @@
           <a:p>
             <a:fld id="{94B9FF40-63A1-4A66-B437-62EC108A7CE1}" type="datetimeFigureOut">
               <a:rPr lang="en-IL" smtClean="0"/>
-              <a:t>08/06/2019</a:t>
+              <a:t>09/06/2019</a:t>
             </a:fld>
             <a:endParaRPr lang="en-IL"/>
           </a:p>
@@ -13122,144 +13122,6 @@
       </p:grpSpPr>
       <p:grpSp>
         <p:nvGrpSpPr>
-          <p:cNvPr id="8" name="Group 7">
-            <a:extLst>
-              <a:ext uri="{FF2B5EF4-FFF2-40B4-BE49-F238E27FC236}">
-                <a16:creationId xmlns:a16="http://schemas.microsoft.com/office/drawing/2014/main" id="{8CD99A66-F9C4-4B22-B750-807788A9F84C}"/>
-              </a:ext>
-            </a:extLst>
-          </p:cNvPr>
-          <p:cNvGrpSpPr/>
-          <p:nvPr/>
-        </p:nvGrpSpPr>
-        <p:grpSpPr>
-          <a:xfrm>
-            <a:off x="171122" y="46611"/>
-            <a:ext cx="6511507" cy="7660639"/>
-            <a:chOff x="1210351" y="180384"/>
-            <a:chExt cx="5707296" cy="1846081"/>
-          </a:xfrm>
-          <a:solidFill>
-            <a:schemeClr val="bg1"/>
-          </a:solidFill>
-        </p:grpSpPr>
-        <p:sp>
-          <p:nvSpPr>
-            <p:cNvPr id="10" name="TextBox 9">
-              <a:extLst>
-                <a:ext uri="{FF2B5EF4-FFF2-40B4-BE49-F238E27FC236}">
-                  <a16:creationId xmlns:a16="http://schemas.microsoft.com/office/drawing/2014/main" id="{738F36BC-9D85-4389-AA39-9FD44D598F0A}"/>
-                </a:ext>
-              </a:extLst>
-            </p:cNvPr>
-            <p:cNvSpPr txBox="1"/>
-            <p:nvPr/>
-          </p:nvSpPr>
-          <p:spPr>
-            <a:xfrm>
-              <a:off x="1210351" y="180384"/>
-              <a:ext cx="5707296" cy="1834665"/>
-            </a:xfrm>
-            <a:prstGeom prst="rect">
-              <a:avLst/>
-            </a:prstGeom>
-            <a:grpFill/>
-          </p:spPr>
-          <p:style>
-            <a:lnRef idx="0">
-              <a:scrgbClr r="0" g="0" b="0"/>
-            </a:lnRef>
-            <a:fillRef idx="0">
-              <a:scrgbClr r="0" g="0" b="0"/>
-            </a:fillRef>
-            <a:effectRef idx="0">
-              <a:scrgbClr r="0" g="0" b="0"/>
-            </a:effectRef>
-            <a:fontRef idx="minor">
-              <a:schemeClr val="lt1"/>
-            </a:fontRef>
-          </p:style>
-          <p:txBody>
-            <a:bodyPr spcFirstLastPara="0" vert="horz" wrap="square" lIns="139303" tIns="139303" rIns="139303" bIns="139303" numCol="1" spcCol="1270" anchor="ctr" anchorCtr="0">
-              <a:noAutofit/>
-            </a:bodyPr>
-            <a:lstStyle/>
-            <a:p>
-              <a:pPr algn="ctr" defTabSz="1625162">
-                <a:lnSpc>
-                  <a:spcPct val="90000"/>
-                </a:lnSpc>
-                <a:spcBef>
-                  <a:spcPct val="0"/>
-                </a:spcBef>
-                <a:spcAft>
-                  <a:spcPct val="35000"/>
-                </a:spcAft>
-              </a:pPr>
-              <a:endParaRPr lang="en-IL" sz="3656" dirty="0"/>
-            </a:p>
-          </p:txBody>
-        </p:sp>
-        <p:sp>
-          <p:nvSpPr>
-            <p:cNvPr id="9" name="Rectangle 8">
-              <a:extLst>
-                <a:ext uri="{FF2B5EF4-FFF2-40B4-BE49-F238E27FC236}">
-                  <a16:creationId xmlns:a16="http://schemas.microsoft.com/office/drawing/2014/main" id="{B281F205-1A5E-487C-AE7B-2F0D6BF1848A}"/>
-                </a:ext>
-              </a:extLst>
-            </p:cNvPr>
-            <p:cNvSpPr/>
-            <p:nvPr/>
-          </p:nvSpPr>
-          <p:spPr>
-            <a:xfrm>
-              <a:off x="1210351" y="191800"/>
-              <a:ext cx="5707296" cy="1834665"/>
-            </a:xfrm>
-            <a:prstGeom prst="rect">
-              <a:avLst/>
-            </a:prstGeom>
-            <a:grpFill/>
-            <a:ln w="22225">
-              <a:solidFill>
-                <a:schemeClr val="tx1"/>
-              </a:solidFill>
-            </a:ln>
-          </p:spPr>
-          <p:style>
-            <a:lnRef idx="0">
-              <a:schemeClr val="lt1">
-                <a:hueOff val="0"/>
-                <a:satOff val="0"/>
-                <a:lumOff val="0"/>
-                <a:alphaOff val="0"/>
-              </a:schemeClr>
-            </a:lnRef>
-            <a:fillRef idx="3">
-              <a:schemeClr val="accent2">
-                <a:hueOff val="0"/>
-                <a:satOff val="0"/>
-                <a:lumOff val="0"/>
-                <a:alphaOff val="0"/>
-              </a:schemeClr>
-            </a:fillRef>
-            <a:effectRef idx="3">
-              <a:schemeClr val="accent2">
-                <a:hueOff val="0"/>
-                <a:satOff val="0"/>
-                <a:lumOff val="0"/>
-                <a:alphaOff val="0"/>
-              </a:schemeClr>
-            </a:effectRef>
-            <a:fontRef idx="minor">
-              <a:schemeClr val="lt1"/>
-            </a:fontRef>
-          </p:style>
-        </p:sp>
-      </p:grpSp>
-      <p:grpSp>
-        <p:nvGrpSpPr>
           <p:cNvPr id="11" name="Group 10">
             <a:extLst>
               <a:ext uri="{FF2B5EF4-FFF2-40B4-BE49-F238E27FC236}">
@@ -14179,16 +14041,45 @@
           </p:cNvPicPr>
           <p:nvPr/>
         </p:nvPicPr>
+        <p:blipFill rotWithShape="1">
+          <a:blip r:embed="rId5"/>
+          <a:srcRect l="-584" t="-1967" r="584" b="8103"/>
+          <a:stretch/>
+        </p:blipFill>
+        <p:spPr>
+          <a:xfrm>
+            <a:off x="428626" y="3347633"/>
+            <a:ext cx="5829300" cy="3414227"/>
+          </a:xfrm>
+          <a:prstGeom prst="rect">
+            <a:avLst/>
+          </a:prstGeom>
+        </p:spPr>
+      </p:pic>
+      <p:pic>
+        <p:nvPicPr>
+          <p:cNvPr id="3" name="Picture 2">
+            <a:extLst>
+              <a:ext uri="{FF2B5EF4-FFF2-40B4-BE49-F238E27FC236}">
+                <a16:creationId xmlns:a16="http://schemas.microsoft.com/office/drawing/2014/main" id="{D0FE577A-B0AB-4C84-9E22-2513112F2640}"/>
+              </a:ext>
+            </a:extLst>
+          </p:cNvPr>
+          <p:cNvPicPr>
+            <a:picLocks noChangeAspect="1"/>
+          </p:cNvPicPr>
+          <p:nvPr/>
+        </p:nvPicPr>
         <p:blipFill>
-          <a:blip r:embed="rId5"/>
+          <a:blip r:embed="rId6"/>
           <a:stretch>
             <a:fillRect/>
           </a:stretch>
         </p:blipFill>
         <p:spPr>
           <a:xfrm>
-            <a:off x="502317" y="2822303"/>
-            <a:ext cx="5829300" cy="4076700"/>
+            <a:off x="1423988" y="2786582"/>
+            <a:ext cx="3838575" cy="428625"/>
           </a:xfrm>
           <a:prstGeom prst="rect">
             <a:avLst/>
